--- a/presentations/info-problems.pptx
+++ b/presentations/info-problems.pptx
@@ -234,7 +234,7 @@
           <a:p>
             <a:fld id="{AAF8D7FA-1DAF-4D82-BA59-1F0D220A4C82}" type="datetimeFigureOut">
               <a:rPr lang="en-US" smtClean="0"/>
-              <a:t>5/18/2015</a:t>
+              <a:t>9/21/2015</a:t>
             </a:fld>
             <a:endParaRPr lang="en-US"/>
           </a:p>
@@ -4414,7 +4414,7 @@
           <a:p>
             <a:fld id="{33C0DD8E-787F-4356-BFF8-A015F1F43D07}" type="datetimeFigureOut">
               <a:rPr lang="en-US" smtClean="0"/>
-              <a:t>5/18/2015</a:t>
+              <a:t>9/21/2015</a:t>
             </a:fld>
             <a:endParaRPr lang="en-US"/>
           </a:p>
@@ -4584,7 +4584,7 @@
           <a:p>
             <a:fld id="{33C0DD8E-787F-4356-BFF8-A015F1F43D07}" type="datetimeFigureOut">
               <a:rPr lang="en-US" smtClean="0"/>
-              <a:t>5/18/2015</a:t>
+              <a:t>9/21/2015</a:t>
             </a:fld>
             <a:endParaRPr lang="en-US"/>
           </a:p>
@@ -4764,7 +4764,7 @@
           <a:p>
             <a:fld id="{33C0DD8E-787F-4356-BFF8-A015F1F43D07}" type="datetimeFigureOut">
               <a:rPr lang="en-US" smtClean="0"/>
-              <a:t>5/18/2015</a:t>
+              <a:t>9/21/2015</a:t>
             </a:fld>
             <a:endParaRPr lang="en-US"/>
           </a:p>
@@ -4934,7 +4934,7 @@
           <a:p>
             <a:fld id="{33C0DD8E-787F-4356-BFF8-A015F1F43D07}" type="datetimeFigureOut">
               <a:rPr lang="en-US" smtClean="0"/>
-              <a:t>5/18/2015</a:t>
+              <a:t>9/21/2015</a:t>
             </a:fld>
             <a:endParaRPr lang="en-US"/>
           </a:p>
@@ -5180,7 +5180,7 @@
           <a:p>
             <a:fld id="{33C0DD8E-787F-4356-BFF8-A015F1F43D07}" type="datetimeFigureOut">
               <a:rPr lang="en-US" smtClean="0"/>
-              <a:t>5/18/2015</a:t>
+              <a:t>9/21/2015</a:t>
             </a:fld>
             <a:endParaRPr lang="en-US"/>
           </a:p>
@@ -5468,7 +5468,7 @@
           <a:p>
             <a:fld id="{33C0DD8E-787F-4356-BFF8-A015F1F43D07}" type="datetimeFigureOut">
               <a:rPr lang="en-US" smtClean="0"/>
-              <a:t>5/18/2015</a:t>
+              <a:t>9/21/2015</a:t>
             </a:fld>
             <a:endParaRPr lang="en-US"/>
           </a:p>
@@ -5890,7 +5890,7 @@
           <a:p>
             <a:fld id="{33C0DD8E-787F-4356-BFF8-A015F1F43D07}" type="datetimeFigureOut">
               <a:rPr lang="en-US" smtClean="0"/>
-              <a:t>5/18/2015</a:t>
+              <a:t>9/21/2015</a:t>
             </a:fld>
             <a:endParaRPr lang="en-US"/>
           </a:p>
@@ -6008,7 +6008,7 @@
           <a:p>
             <a:fld id="{33C0DD8E-787F-4356-BFF8-A015F1F43D07}" type="datetimeFigureOut">
               <a:rPr lang="en-US" smtClean="0"/>
-              <a:t>5/18/2015</a:t>
+              <a:t>9/21/2015</a:t>
             </a:fld>
             <a:endParaRPr lang="en-US"/>
           </a:p>
@@ -6103,7 +6103,7 @@
           <a:p>
             <a:fld id="{33C0DD8E-787F-4356-BFF8-A015F1F43D07}" type="datetimeFigureOut">
               <a:rPr lang="en-US" smtClean="0"/>
-              <a:t>5/18/2015</a:t>
+              <a:t>9/21/2015</a:t>
             </a:fld>
             <a:endParaRPr lang="en-US"/>
           </a:p>
@@ -6380,7 +6380,7 @@
           <a:p>
             <a:fld id="{33C0DD8E-787F-4356-BFF8-A015F1F43D07}" type="datetimeFigureOut">
               <a:rPr lang="en-US" smtClean="0"/>
-              <a:t>5/18/2015</a:t>
+              <a:t>9/21/2015</a:t>
             </a:fld>
             <a:endParaRPr lang="en-US"/>
           </a:p>
@@ -6633,7 +6633,7 @@
           <a:p>
             <a:fld id="{33C0DD8E-787F-4356-BFF8-A015F1F43D07}" type="datetimeFigureOut">
               <a:rPr lang="en-US" smtClean="0"/>
-              <a:t>5/18/2015</a:t>
+              <a:t>9/21/2015</a:t>
             </a:fld>
             <a:endParaRPr lang="en-US"/>
           </a:p>
@@ -6846,7 +6846,7 @@
           <a:p>
             <a:fld id="{33C0DD8E-787F-4356-BFF8-A015F1F43D07}" type="datetimeFigureOut">
               <a:rPr lang="en-US" smtClean="0"/>
-              <a:t>5/18/2015</a:t>
+              <a:t>9/21/2015</a:t>
             </a:fld>
             <a:endParaRPr lang="en-US"/>
           </a:p>
@@ -7366,7 +7366,7 @@
           <a:p>
             <a:r>
               <a:rPr lang="en-US" sz="5400" baseline="0" dirty="0" err="1" smtClean="0"/>
-              <a:t>Truthcoin</a:t>
+              <a:t>Hivemind</a:t>
             </a:r>
             <a:r>
               <a:rPr lang="en-US" sz="5400" dirty="0"/>
@@ -7377,11 +7377,7 @@
             </a:br>
             <a:r>
               <a:rPr lang="en-US" sz="2800" dirty="0" smtClean="0"/>
-              <a:t>Prediction Markets for </a:t>
-            </a:r>
-            <a:r>
-              <a:rPr lang="en-US" sz="2800" dirty="0" err="1" smtClean="0"/>
-              <a:t>Bitcoin</a:t>
+              <a:t>Prediction Markets for Bitcoin</a:t>
             </a:r>
             <a:r>
               <a:rPr lang="en-US" sz="4800" baseline="0" dirty="0" smtClean="0"/>
